--- a/21 Очко на Алисе.pptx
+++ b/21 Очко на Алисе.pptx
@@ -9,8 +9,9 @@
     <p:sldId id="261" r:id="rId3"/>
     <p:sldId id="257" r:id="rId4"/>
     <p:sldId id="259" r:id="rId5"/>
-    <p:sldId id="260" r:id="rId6"/>
-    <p:sldId id="262" r:id="rId7"/>
+    <p:sldId id="263" r:id="rId6"/>
+    <p:sldId id="260" r:id="rId7"/>
+    <p:sldId id="262" r:id="rId8"/>
   </p:sldIdLst>
   <p:sldSz cx="12192000" cy="6858000"/>
   <p:notesSz cx="6858000" cy="9144000"/>
@@ -109,6 +110,11 @@
       </a:defRPr>
     </a:lvl9pPr>
   </p:defaultTextStyle>
+  <p:extLst>
+    <p:ext uri="{EFAFB233-063F-42B5-8137-9DF3F51BA10A}">
+      <p15:sldGuideLst xmlns:p15="http://schemas.microsoft.com/office/powerpoint/2012/main"/>
+    </p:ext>
+  </p:extLst>
 </p:presentation>
 </file>
 
@@ -1324,7 +1330,7 @@
             <a:fld id="{9334D819-9F07-4261-B09B-9E467E5D9002}" type="datetimeFigureOut">
               <a:rPr lang="en-US" dirty="0"/>
               <a:pPr/>
-              <a:t>4/28/2019</a:t>
+              <a:t>5/12/2019</a:t>
             </a:fld>
             <a:endParaRPr lang="en-US" dirty="0"/>
           </a:p>
@@ -1558,7 +1564,7 @@
           <a:p>
             <a:fld id="{9334D819-9F07-4261-B09B-9E467E5D9002}" type="datetimeFigureOut">
               <a:rPr lang="en-US" dirty="0"/>
-              <a:t>4/28/2019</a:t>
+              <a:t>5/12/2019</a:t>
             </a:fld>
             <a:endParaRPr lang="en-US" dirty="0"/>
           </a:p>
@@ -1733,7 +1739,7 @@
           <a:p>
             <a:fld id="{9334D819-9F07-4261-B09B-9E467E5D9002}" type="datetimeFigureOut">
               <a:rPr lang="en-US" dirty="0"/>
-              <a:t>4/28/2019</a:t>
+              <a:t>5/12/2019</a:t>
             </a:fld>
             <a:endParaRPr lang="en-US" dirty="0"/>
           </a:p>
@@ -1898,7 +1904,7 @@
           <a:p>
             <a:fld id="{9334D819-9F07-4261-B09B-9E467E5D9002}" type="datetimeFigureOut">
               <a:rPr lang="en-US" dirty="0"/>
-              <a:t>4/28/2019</a:t>
+              <a:t>5/12/2019</a:t>
             </a:fld>
             <a:endParaRPr lang="en-US" dirty="0"/>
           </a:p>
@@ -2170,7 +2176,7 @@
             <a:fld id="{9334D819-9F07-4261-B09B-9E467E5D9002}" type="datetimeFigureOut">
               <a:rPr lang="en-US" dirty="0"/>
               <a:pPr/>
-              <a:t>4/28/2019</a:t>
+              <a:t>5/12/2019</a:t>
             </a:fld>
             <a:endParaRPr lang="en-US" dirty="0"/>
           </a:p>
@@ -3367,7 +3373,7 @@
           <a:p>
             <a:fld id="{9334D819-9F07-4261-B09B-9E467E5D9002}" type="datetimeFigureOut">
               <a:rPr lang="en-US" dirty="0"/>
-              <a:t>4/28/2019</a:t>
+              <a:t>5/12/2019</a:t>
             </a:fld>
             <a:endParaRPr lang="en-US" dirty="0"/>
           </a:p>
@@ -3752,7 +3758,7 @@
           <a:p>
             <a:fld id="{9334D819-9F07-4261-B09B-9E467E5D9002}" type="datetimeFigureOut">
               <a:rPr lang="en-US" dirty="0"/>
-              <a:t>4/28/2019</a:t>
+              <a:t>5/12/2019</a:t>
             </a:fld>
             <a:endParaRPr lang="en-US" dirty="0"/>
           </a:p>
@@ -3870,7 +3876,7 @@
           <a:p>
             <a:fld id="{9334D819-9F07-4261-B09B-9E467E5D9002}" type="datetimeFigureOut">
               <a:rPr lang="en-US" dirty="0"/>
-              <a:t>4/28/2019</a:t>
+              <a:t>5/12/2019</a:t>
             </a:fld>
             <a:endParaRPr lang="en-US" dirty="0"/>
           </a:p>
@@ -3960,7 +3966,7 @@
           <a:p>
             <a:fld id="{9334D819-9F07-4261-B09B-9E467E5D9002}" type="datetimeFigureOut">
               <a:rPr lang="en-US" dirty="0"/>
-              <a:t>4/28/2019</a:t>
+              <a:t>5/12/2019</a:t>
             </a:fld>
             <a:endParaRPr lang="en-US" dirty="0"/>
           </a:p>
@@ -4718,7 +4724,7 @@
           <a:p>
             <a:fld id="{9334D819-9F07-4261-B09B-9E467E5D9002}" type="datetimeFigureOut">
               <a:rPr lang="en-US" dirty="0"/>
-              <a:t>4/28/2019</a:t>
+              <a:t>5/12/2019</a:t>
             </a:fld>
             <a:endParaRPr lang="en-US" dirty="0"/>
           </a:p>
@@ -5553,7 +5559,7 @@
           <a:p>
             <a:fld id="{9334D819-9F07-4261-B09B-9E467E5D9002}" type="datetimeFigureOut">
               <a:rPr lang="en-US" dirty="0"/>
-              <a:t>4/28/2019</a:t>
+              <a:t>5/12/2019</a:t>
             </a:fld>
             <a:endParaRPr lang="en-US" dirty="0"/>
           </a:p>
@@ -5776,7 +5782,7 @@
             <a:fld id="{9334D819-9F07-4261-B09B-9E467E5D9002}" type="datetimeFigureOut">
               <a:rPr lang="en-US" dirty="0"/>
               <a:pPr/>
-              <a:t>4/28/2019</a:t>
+              <a:t>5/12/2019</a:t>
             </a:fld>
             <a:endParaRPr lang="en-US" dirty="0"/>
           </a:p>
@@ -6788,9 +6794,20 @@
           <a:p>
             <a:r>
               <a:rPr lang="ru-RU" dirty="0" smtClean="0"/>
-              <a:t>21 Очко на Алисе</a:t>
-            </a:r>
-            <a:endParaRPr lang="ru-RU" dirty="0"/>
+              <a:t>21 Очко</a:t>
+            </a:r>
+            <a:r>
+              <a:rPr lang="ru-RU" sz="5000" dirty="0" smtClean="0"/>
+              <a:t> </a:t>
+            </a:r>
+            <a:br>
+              <a:rPr lang="ru-RU" sz="5000" dirty="0" smtClean="0"/>
+            </a:br>
+            <a:r>
+              <a:rPr lang="ru-RU" sz="5000" dirty="0" smtClean="0"/>
+              <a:t>на Алисе</a:t>
+            </a:r>
+            <a:endParaRPr lang="ru-RU" sz="5000" dirty="0"/>
           </a:p>
         </p:txBody>
       </p:sp>
@@ -6875,19 +6892,21 @@
         </p:nvSpPr>
         <p:spPr>
           <a:xfrm>
-            <a:off x="8337885" y="376177"/>
-            <a:ext cx="3092115" cy="1196671"/>
+            <a:off x="8268874" y="651517"/>
+            <a:ext cx="3092115" cy="529052"/>
           </a:xfrm>
         </p:spPr>
         <p:txBody>
-          <a:bodyPr/>
+          <a:bodyPr>
+            <a:normAutofit/>
+          </a:bodyPr>
           <a:lstStyle/>
           <a:p>
             <a:r>
-              <a:rPr lang="ru-RU" dirty="0" smtClean="0"/>
+              <a:rPr lang="ru-RU" sz="2400" dirty="0" smtClean="0"/>
               <a:t>начало</a:t>
             </a:r>
-            <a:endParaRPr lang="ru-RU" dirty="0"/>
+            <a:endParaRPr lang="ru-RU" sz="2400" dirty="0"/>
           </a:p>
         </p:txBody>
       </p:sp>
@@ -6915,8 +6934,8 @@
         </p:blipFill>
         <p:spPr>
           <a:xfrm>
-            <a:off x="1321693" y="974513"/>
-            <a:ext cx="5044877" cy="4877223"/>
+            <a:off x="585302" y="376177"/>
+            <a:ext cx="6536971" cy="6319731"/>
           </a:xfrm>
         </p:spPr>
       </p:pic>
@@ -6930,19 +6949,63 @@
             <p:ph type="body" sz="half" idx="2"/>
           </p:nvPr>
         </p:nvSpPr>
-        <p:spPr/>
+        <p:spPr>
+          <a:xfrm>
+            <a:off x="8268874" y="1453960"/>
+            <a:ext cx="3092115" cy="4164164"/>
+          </a:xfrm>
+        </p:spPr>
         <p:txBody>
-          <a:bodyPr/>
+          <a:bodyPr>
+            <a:normAutofit/>
+          </a:bodyPr>
           <a:lstStyle/>
           <a:p>
             <a:r>
-              <a:rPr lang="ru-RU" dirty="0" smtClean="0"/>
-              <a:t>Начинается работа навыка стандартно – запрашивает имя,  здоровается и предлагает сыграть. Кнопки с ожидаемыми ответами – да и нет, а так же правила игры, будут сопровождать вас всю игру.</a:t>
-            </a:r>
-            <a:endParaRPr lang="ru-RU" dirty="0"/>
+              <a:rPr lang="ru-RU" sz="2000" dirty="0" smtClean="0"/>
+              <a:t>Начинается работа навыка стандартно –</a:t>
+            </a:r>
+            <a:r>
+              <a:rPr lang="ru-RU" sz="2000" dirty="0"/>
+              <a:t>запрашивающее </a:t>
+            </a:r>
+            <a:r>
+              <a:rPr lang="ru-RU" sz="2000" dirty="0" smtClean="0"/>
+              <a:t>имя приветственное сообщение с небольшой подсказкой. После этого сразу можно начать. Кнопки с ожидаемыми ответами будут сопровождать вас всю игру.</a:t>
+            </a:r>
+            <a:endParaRPr lang="ru-RU" sz="2000" dirty="0"/>
           </a:p>
         </p:txBody>
       </p:sp>
+      <p:pic>
+        <p:nvPicPr>
+          <p:cNvPr id="3" name="Рисунок 2"/>
+          <p:cNvPicPr>
+            <a:picLocks noChangeAspect="1"/>
+          </p:cNvPicPr>
+          <p:nvPr/>
+        </p:nvPicPr>
+        <p:blipFill rotWithShape="1">
+          <a:blip r:embed="rId3">
+            <a:extLst>
+              <a:ext uri="{28A0092B-C50C-407E-A947-70E740481C1C}">
+                <a14:useLocalDpi xmlns:a14="http://schemas.microsoft.com/office/drawing/2010/main" val="0"/>
+              </a:ext>
+            </a:extLst>
+          </a:blip>
+          <a:srcRect l="266" t="317" r="564" b="15855"/>
+          <a:stretch/>
+        </p:blipFill>
+        <p:spPr>
+          <a:xfrm>
+            <a:off x="716365" y="916043"/>
+            <a:ext cx="6305539" cy="4458214"/>
+          </a:xfrm>
+          <a:prstGeom prst="rect">
+            <a:avLst/>
+          </a:prstGeom>
+        </p:spPr>
+      </p:pic>
     </p:spTree>
     <p:extLst>
       <p:ext uri="{BB962C8B-B14F-4D97-AF65-F5344CB8AC3E}">
@@ -6990,7 +7053,12 @@
             <p:ph type="title"/>
           </p:nvPr>
         </p:nvSpPr>
-        <p:spPr/>
+        <p:spPr>
+          <a:xfrm>
+            <a:off x="1225799" y="460023"/>
+            <a:ext cx="10178322" cy="1492132"/>
+          </a:xfrm>
+        </p:spPr>
         <p:txBody>
           <a:bodyPr/>
           <a:lstStyle/>
@@ -7027,8 +7095,8 @@
         </p:blipFill>
         <p:spPr>
           <a:xfrm>
-            <a:off x="5844396" y="1629478"/>
-            <a:ext cx="5158596" cy="4689632"/>
+            <a:off x="5503506" y="488896"/>
+            <a:ext cx="3219169" cy="2926517"/>
           </a:xfrm>
           <a:ln cmpd="sng">
             <a:solidFill>
@@ -7058,7 +7126,7 @@
         </p:nvSpPr>
         <p:spPr>
           <a:xfrm>
-            <a:off x="1682151" y="1629479"/>
+            <a:off x="1225799" y="1959782"/>
             <a:ext cx="3735238" cy="4689631"/>
           </a:xfrm>
         </p:spPr>
@@ -7078,10 +7146,19 @@
                   </a:schemeClr>
                 </a:solidFill>
               </a:rPr>
-              <a:t>Сами карты обозначаются номиналом и первой буквой масти:</a:t>
-            </a:r>
-          </a:p>
-          <a:p>
+              <a:t>Как и было сказано в приветственном сообщении, правила можно узнать по команде </a:t>
+            </a:r>
+            <a:r>
+              <a:rPr lang="en-US" dirty="0" smtClean="0">
+                <a:solidFill>
+                  <a:schemeClr val="tx1">
+                    <a:lumMod val="85000"/>
+                    <a:lumOff val="15000"/>
+                  </a:schemeClr>
+                </a:solidFill>
+              </a:rPr>
+              <a:t>“</a:t>
+            </a:r>
             <a:r>
               <a:rPr lang="ru-RU" dirty="0" smtClean="0">
                 <a:solidFill>
@@ -7091,10 +7168,19 @@
                   </a:schemeClr>
                 </a:solidFill>
               </a:rPr>
-              <a:t>П – пики</a:t>
-            </a:r>
-          </a:p>
-          <a:p>
+              <a:t>Правила</a:t>
+            </a:r>
+            <a:r>
+              <a:rPr lang="en-US" dirty="0" smtClean="0">
+                <a:solidFill>
+                  <a:schemeClr val="tx1">
+                    <a:lumMod val="85000"/>
+                    <a:lumOff val="15000"/>
+                  </a:schemeClr>
+                </a:solidFill>
+              </a:rPr>
+              <a:t>” </a:t>
+            </a:r>
             <a:r>
               <a:rPr lang="ru-RU" dirty="0" smtClean="0">
                 <a:solidFill>
@@ -7104,10 +7190,19 @@
                   </a:schemeClr>
                 </a:solidFill>
               </a:rPr>
-              <a:t>Б – бубны</a:t>
-            </a:r>
-          </a:p>
-          <a:p>
+              <a:t>или </a:t>
+            </a:r>
+            <a:r>
+              <a:rPr lang="en-US" dirty="0" smtClean="0">
+                <a:solidFill>
+                  <a:schemeClr val="tx1">
+                    <a:lumMod val="85000"/>
+                    <a:lumOff val="15000"/>
+                  </a:schemeClr>
+                </a:solidFill>
+              </a:rPr>
+              <a:t>“</a:t>
+            </a:r>
             <a:r>
               <a:rPr lang="ru-RU" dirty="0" smtClean="0">
                 <a:solidFill>
@@ -7117,10 +7212,19 @@
                   </a:schemeClr>
                 </a:solidFill>
               </a:rPr>
-              <a:t>Т – трефы</a:t>
-            </a:r>
-          </a:p>
-          <a:p>
+              <a:t>Помощь</a:t>
+            </a:r>
+            <a:r>
+              <a:rPr lang="en-US" dirty="0" smtClean="0">
+                <a:solidFill>
+                  <a:schemeClr val="tx1">
+                    <a:lumMod val="85000"/>
+                    <a:lumOff val="15000"/>
+                  </a:schemeClr>
+                </a:solidFill>
+              </a:rPr>
+              <a:t>”</a:t>
+            </a:r>
             <a:r>
               <a:rPr lang="ru-RU" dirty="0" smtClean="0">
                 <a:solidFill>
@@ -7130,13 +7234,43 @@
                   </a:schemeClr>
                 </a:solidFill>
               </a:rPr>
-              <a:t>Ч – черви</a:t>
-            </a:r>
+              <a:t>. </a:t>
+            </a:r>
+            <a:endParaRPr lang="ru-RU" dirty="0">
+              <a:solidFill>
+                <a:schemeClr val="tx1">
+                  <a:lumMod val="85000"/>
+                  <a:lumOff val="15000"/>
+                </a:schemeClr>
+              </a:solidFill>
+            </a:endParaRPr>
           </a:p>
           <a:p>
             <a:pPr marL="0" indent="0">
               <a:buNone/>
             </a:pPr>
+            <a:r>
+              <a:rPr lang="ru-RU" dirty="0" smtClean="0">
+                <a:solidFill>
+                  <a:schemeClr val="tx1">
+                    <a:lumMod val="85000"/>
+                    <a:lumOff val="15000"/>
+                  </a:schemeClr>
+                </a:solidFill>
+              </a:rPr>
+              <a:t>В управлении самим навыком сложностей нет – единственное, что нужно отвечать</a:t>
+            </a:r>
+            <a:r>
+              <a:rPr lang="en-US" dirty="0" smtClean="0">
+                <a:solidFill>
+                  <a:schemeClr val="tx1">
+                    <a:lumMod val="85000"/>
+                    <a:lumOff val="15000"/>
+                  </a:schemeClr>
+                </a:solidFill>
+              </a:rPr>
+              <a:t>:</a:t>
+            </a:r>
             <a:r>
               <a:rPr lang="ru-RU" dirty="0" smtClean="0">
                 <a:solidFill>
@@ -7148,6 +7282,94 @@
               </a:rPr>
               <a:t> </a:t>
             </a:r>
+            <a:r>
+              <a:rPr lang="en-US" dirty="0" smtClean="0">
+                <a:solidFill>
+                  <a:schemeClr val="tx1">
+                    <a:lumMod val="85000"/>
+                    <a:lumOff val="15000"/>
+                  </a:schemeClr>
+                </a:solidFill>
+              </a:rPr>
+              <a:t>‘</a:t>
+            </a:r>
+            <a:r>
+              <a:rPr lang="ru-RU" dirty="0" smtClean="0">
+                <a:solidFill>
+                  <a:schemeClr val="tx1">
+                    <a:lumMod val="85000"/>
+                    <a:lumOff val="15000"/>
+                  </a:schemeClr>
+                </a:solidFill>
+              </a:rPr>
+              <a:t>да</a:t>
+            </a:r>
+            <a:r>
+              <a:rPr lang="en-US" dirty="0" smtClean="0">
+                <a:solidFill>
+                  <a:schemeClr val="tx1">
+                    <a:lumMod val="85000"/>
+                    <a:lumOff val="15000"/>
+                  </a:schemeClr>
+                </a:solidFill>
+              </a:rPr>
+              <a:t>’ </a:t>
+            </a:r>
+            <a:r>
+              <a:rPr lang="ru-RU" dirty="0" smtClean="0">
+                <a:solidFill>
+                  <a:schemeClr val="tx1">
+                    <a:lumMod val="85000"/>
+                    <a:lumOff val="15000"/>
+                  </a:schemeClr>
+                </a:solidFill>
+              </a:rPr>
+              <a:t>или </a:t>
+            </a:r>
+            <a:r>
+              <a:rPr lang="en-US" dirty="0" smtClean="0">
+                <a:solidFill>
+                  <a:schemeClr val="tx1">
+                    <a:lumMod val="85000"/>
+                    <a:lumOff val="15000"/>
+                  </a:schemeClr>
+                </a:solidFill>
+              </a:rPr>
+              <a:t>‘</a:t>
+            </a:r>
+            <a:r>
+              <a:rPr lang="ru-RU" dirty="0" smtClean="0">
+                <a:solidFill>
+                  <a:schemeClr val="tx1">
+                    <a:lumMod val="85000"/>
+                    <a:lumOff val="15000"/>
+                  </a:schemeClr>
+                </a:solidFill>
+              </a:rPr>
+              <a:t>нет</a:t>
+            </a:r>
+            <a:r>
+              <a:rPr lang="en-US" dirty="0" smtClean="0">
+                <a:solidFill>
+                  <a:schemeClr val="tx1">
+                    <a:lumMod val="85000"/>
+                    <a:lumOff val="15000"/>
+                  </a:schemeClr>
+                </a:solidFill>
+              </a:rPr>
+              <a:t>’</a:t>
+            </a:r>
+            <a:r>
+              <a:rPr lang="ru-RU" dirty="0" smtClean="0">
+                <a:solidFill>
+                  <a:schemeClr val="tx1">
+                    <a:lumMod val="85000"/>
+                    <a:lumOff val="15000"/>
+                  </a:schemeClr>
+                </a:solidFill>
+              </a:rPr>
+              <a:t>. Остальное навык сделает сам.</a:t>
+            </a:r>
             <a:endParaRPr lang="ru-RU" dirty="0">
               <a:solidFill>
                 <a:schemeClr val="tx1">
@@ -7159,6 +7381,66 @@
           </a:p>
         </p:txBody>
       </p:sp>
+      <p:pic>
+        <p:nvPicPr>
+          <p:cNvPr id="3" name="Рисунок 2"/>
+          <p:cNvPicPr>
+            <a:picLocks noChangeAspect="1"/>
+          </p:cNvPicPr>
+          <p:nvPr/>
+        </p:nvPicPr>
+        <p:blipFill>
+          <a:blip r:embed="rId3">
+            <a:extLst>
+              <a:ext uri="{28A0092B-C50C-407E-A947-70E740481C1C}">
+                <a14:useLocalDpi xmlns:a14="http://schemas.microsoft.com/office/drawing/2010/main" val="0"/>
+              </a:ext>
+            </a:extLst>
+          </a:blip>
+          <a:stretch>
+            <a:fillRect/>
+          </a:stretch>
+        </p:blipFill>
+        <p:spPr>
+          <a:xfrm>
+            <a:off x="4761781" y="347477"/>
+            <a:ext cx="4753154" cy="4012968"/>
+          </a:xfrm>
+          <a:prstGeom prst="rect">
+            <a:avLst/>
+          </a:prstGeom>
+        </p:spPr>
+      </p:pic>
+      <p:pic>
+        <p:nvPicPr>
+          <p:cNvPr id="6" name="Рисунок 5"/>
+          <p:cNvPicPr>
+            <a:picLocks noChangeAspect="1"/>
+          </p:cNvPicPr>
+          <p:nvPr/>
+        </p:nvPicPr>
+        <p:blipFill>
+          <a:blip r:embed="rId4">
+            <a:extLst>
+              <a:ext uri="{28A0092B-C50C-407E-A947-70E740481C1C}">
+                <a14:useLocalDpi xmlns:a14="http://schemas.microsoft.com/office/drawing/2010/main" val="0"/>
+              </a:ext>
+            </a:extLst>
+          </a:blip>
+          <a:stretch>
+            <a:fillRect/>
+          </a:stretch>
+        </p:blipFill>
+        <p:spPr>
+          <a:xfrm>
+            <a:off x="7210313" y="2786427"/>
+            <a:ext cx="4609244" cy="3862986"/>
+          </a:xfrm>
+          <a:prstGeom prst="rect">
+            <a:avLst/>
+          </a:prstGeom>
+        </p:spPr>
+      </p:pic>
     </p:spTree>
     <p:extLst>
       <p:ext uri="{BB962C8B-B14F-4D97-AF65-F5344CB8AC3E}">
@@ -7285,6 +7567,66 @@
           </a:prstGeom>
         </p:spPr>
       </p:pic>
+      <p:pic>
+        <p:nvPicPr>
+          <p:cNvPr id="2" name="Рисунок 1"/>
+          <p:cNvPicPr>
+            <a:picLocks noChangeAspect="1"/>
+          </p:cNvPicPr>
+          <p:nvPr/>
+        </p:nvPicPr>
+        <p:blipFill>
+          <a:blip r:embed="rId4">
+            <a:extLst>
+              <a:ext uri="{28A0092B-C50C-407E-A947-70E740481C1C}">
+                <a14:useLocalDpi xmlns:a14="http://schemas.microsoft.com/office/drawing/2010/main" val="0"/>
+              </a:ext>
+            </a:extLst>
+          </a:blip>
+          <a:stretch>
+            <a:fillRect/>
+          </a:stretch>
+        </p:blipFill>
+        <p:spPr>
+          <a:xfrm>
+            <a:off x="1031149" y="1699404"/>
+            <a:ext cx="5213483" cy="4364966"/>
+          </a:xfrm>
+          <a:prstGeom prst="rect">
+            <a:avLst/>
+          </a:prstGeom>
+        </p:spPr>
+      </p:pic>
+      <p:pic>
+        <p:nvPicPr>
+          <p:cNvPr id="3" name="Рисунок 2"/>
+          <p:cNvPicPr>
+            <a:picLocks noChangeAspect="1"/>
+          </p:cNvPicPr>
+          <p:nvPr/>
+        </p:nvPicPr>
+        <p:blipFill>
+          <a:blip r:embed="rId5">
+            <a:extLst>
+              <a:ext uri="{28A0092B-C50C-407E-A947-70E740481C1C}">
+                <a14:useLocalDpi xmlns:a14="http://schemas.microsoft.com/office/drawing/2010/main" val="0"/>
+              </a:ext>
+            </a:extLst>
+          </a:blip>
+          <a:stretch>
+            <a:fillRect/>
+          </a:stretch>
+        </p:blipFill>
+        <p:spPr>
+          <a:xfrm>
+            <a:off x="6426843" y="1699404"/>
+            <a:ext cx="5508371" cy="4364966"/>
+          </a:xfrm>
+          <a:prstGeom prst="rect">
+            <a:avLst/>
+          </a:prstGeom>
+        </p:spPr>
+      </p:pic>
     </p:spTree>
     <p:extLst>
       <p:ext uri="{BB962C8B-B14F-4D97-AF65-F5344CB8AC3E}">
@@ -7324,7 +7666,7 @@
       </p:grpSpPr>
       <p:sp>
         <p:nvSpPr>
-          <p:cNvPr id="6" name="Заголовок 5"/>
+          <p:cNvPr id="4" name="Заголовок 3"/>
           <p:cNvSpPr>
             <a:spLocks noGrp="1"/>
           </p:cNvSpPr>
@@ -7334,8 +7676,8 @@
         </p:nvSpPr>
         <p:spPr>
           <a:xfrm>
-            <a:off x="3062377" y="245753"/>
-            <a:ext cx="8333117" cy="1117221"/>
+            <a:off x="8277499" y="134077"/>
+            <a:ext cx="3092115" cy="1196671"/>
           </a:xfrm>
         </p:spPr>
         <p:txBody>
@@ -7345,156 +7687,114 @@
           <a:lstStyle/>
           <a:p>
             <a:r>
-              <a:rPr lang="ru-RU" sz="4800" dirty="0" smtClean="0"/>
-              <a:t>А теперь о коде…</a:t>
-            </a:r>
-            <a:endParaRPr lang="ru-RU" sz="4800" dirty="0"/>
+              <a:rPr lang="ru-RU" sz="2400" dirty="0" smtClean="0"/>
+              <a:t>Интересный факт</a:t>
+            </a:r>
+            <a:endParaRPr lang="ru-RU" sz="2400" dirty="0"/>
           </a:p>
         </p:txBody>
       </p:sp>
       <p:sp>
         <p:nvSpPr>
-          <p:cNvPr id="7" name="Текст 6"/>
+          <p:cNvPr id="6" name="Текст 5"/>
           <p:cNvSpPr>
             <a:spLocks noGrp="1"/>
           </p:cNvSpPr>
           <p:nvPr>
-            <p:ph type="body" idx="1"/>
+            <p:ph type="body" sz="half" idx="2"/>
           </p:nvPr>
         </p:nvSpPr>
         <p:spPr>
           <a:xfrm>
-            <a:off x="3062377" y="1664898"/>
-            <a:ext cx="8333117" cy="4649637"/>
+            <a:off x="8277499" y="1330748"/>
+            <a:ext cx="3092116" cy="5018294"/>
           </a:xfrm>
         </p:spPr>
         <p:txBody>
-          <a:bodyPr/>
+          <a:bodyPr>
+            <a:noAutofit/>
+          </a:bodyPr>
           <a:lstStyle/>
           <a:p>
             <a:r>
-              <a:rPr lang="ru-RU" dirty="0" smtClean="0"/>
-              <a:t>Проводником в удивительный мир интернета послужило </a:t>
-            </a:r>
-            <a:r>
-              <a:rPr lang="en-US" dirty="0" err="1" smtClean="0"/>
-              <a:t>heroku</a:t>
-            </a:r>
-            <a:r>
-              <a:rPr lang="en-US" dirty="0" smtClean="0"/>
-              <a:t>, </a:t>
-            </a:r>
-            <a:r>
-              <a:rPr lang="ru-RU" dirty="0" smtClean="0"/>
-              <a:t>с которым после некоторых сложностей мы нашли общий язык.</a:t>
-            </a:r>
-          </a:p>
-          <a:p>
-            <a:r>
-              <a:rPr lang="ru-RU" dirty="0" smtClean="0"/>
-              <a:t>В программе использовалось </a:t>
-            </a:r>
-            <a:r>
-              <a:rPr lang="en-US" dirty="0" err="1" smtClean="0"/>
-              <a:t>api</a:t>
-            </a:r>
-            <a:r>
-              <a:rPr lang="ru-RU" dirty="0" smtClean="0"/>
-              <a:t> </a:t>
-            </a:r>
-            <a:r>
-              <a:rPr lang="en-US" dirty="0" smtClean="0">
-                <a:hlinkClick r:id="rId2"/>
-              </a:rPr>
-              <a:t>https://deckofcardsapi.com</a:t>
-            </a:r>
-            <a:r>
-              <a:rPr lang="ru-RU" dirty="0" smtClean="0"/>
-              <a:t>, его так же можно будет использовать, если захочется добавить картинки карт или создать более сложную карточную игру. </a:t>
-            </a:r>
-          </a:p>
-          <a:p>
-            <a:r>
-              <a:rPr lang="ru-RU" sz="1400" b="0" dirty="0" smtClean="0"/>
-              <a:t>Гитхаб: </a:t>
-            </a:r>
-          </a:p>
-          <a:p>
-            <a:r>
-              <a:rPr lang="ru-RU" sz="1400" b="0" dirty="0" smtClean="0">
-                <a:hlinkClick r:id="rId3"/>
-              </a:rPr>
-              <a:t>https://github.com/radiate-positivity/alice/blob/master/app.py</a:t>
-            </a:r>
-            <a:endParaRPr lang="ru-RU" sz="1400" b="0" dirty="0" smtClean="0"/>
-          </a:p>
-          <a:p>
-            <a:r>
-              <a:rPr lang="ru-RU" sz="1400" dirty="0" smtClean="0"/>
-              <a:t/>
-            </a:r>
-            <a:br>
-              <a:rPr lang="ru-RU" sz="1400" dirty="0" smtClean="0"/>
-            </a:br>
-            <a:r>
-              <a:rPr lang="ru-RU" sz="1400" b="0" dirty="0" err="1" smtClean="0"/>
-              <a:t>Ссыслка</a:t>
-            </a:r>
-            <a:r>
-              <a:rPr lang="ru-RU" sz="1400" b="0" dirty="0" smtClean="0"/>
-              <a:t> на</a:t>
-            </a:r>
-            <a:r>
-              <a:rPr lang="en-US" sz="1400" b="0" dirty="0" smtClean="0"/>
-              <a:t> </a:t>
-            </a:r>
-            <a:r>
-              <a:rPr lang="en-US" sz="1400" b="0" dirty="0" err="1" smtClean="0"/>
-              <a:t>api</a:t>
-            </a:r>
-            <a:r>
-              <a:rPr lang="ru-RU" sz="1400" b="0" dirty="0" smtClean="0"/>
-              <a:t> в </a:t>
-            </a:r>
-            <a:r>
-              <a:rPr lang="ru-RU" sz="1400" b="0" dirty="0" err="1" smtClean="0"/>
-              <a:t>хероку</a:t>
-            </a:r>
-            <a:r>
-              <a:rPr lang="ru-RU" sz="1400" b="0" dirty="0" smtClean="0"/>
-              <a:t>:</a:t>
-            </a:r>
-            <a:r>
-              <a:rPr lang="ru-RU" sz="1400" dirty="0" smtClean="0"/>
-              <a:t/>
-            </a:r>
-            <a:br>
-              <a:rPr lang="ru-RU" sz="1400" dirty="0" smtClean="0"/>
-            </a:br>
-            <a:r>
-              <a:rPr lang="ru-RU" sz="1400" b="0" dirty="0" smtClean="0">
-                <a:hlinkClick r:id="rId4"/>
-              </a:rPr>
-              <a:t>https://newappalice211.herokuapp.com/post</a:t>
-            </a:r>
-            <a:r>
-              <a:rPr lang="ru-RU" sz="1400" b="0" dirty="0" smtClean="0"/>
-              <a:t> </a:t>
-            </a:r>
-            <a:endParaRPr lang="ru-RU" sz="1400" dirty="0" smtClean="0"/>
-          </a:p>
-          <a:p>
-            <a:endParaRPr lang="ru-RU" sz="1400" dirty="0" smtClean="0"/>
-          </a:p>
-          <a:p>
-            <a:endParaRPr lang="ru-RU" sz="1400" dirty="0"/>
+              <a:rPr lang="ru-RU" sz="1800" dirty="0" smtClean="0"/>
+              <a:t>По сути, </a:t>
+            </a:r>
+            <a:r>
+              <a:rPr lang="en-US" sz="1800" dirty="0" smtClean="0"/>
+              <a:t>API</a:t>
+            </a:r>
+            <a:r>
+              <a:rPr lang="ru-RU" sz="1800" dirty="0" smtClean="0"/>
+              <a:t> использовалось для того, что бы карты были с картинками, ибо там они шли сразу с картами. Для этих целей я даже узнала, как на лету закачивать картинки в хранилище Алисы. Но когда это всё реализовалось, то было обнаружено, что картинки не совсем того формата. Это было грустно и некрасиво, так что пришлось оставить проект без карточек.</a:t>
+            </a:r>
+            <a:endParaRPr lang="ru-RU" sz="1800" dirty="0"/>
           </a:p>
         </p:txBody>
       </p:sp>
+      <p:pic>
+        <p:nvPicPr>
+          <p:cNvPr id="9" name="Объект 8"/>
+          <p:cNvPicPr>
+            <a:picLocks noGrp="1" noChangeAspect="1"/>
+          </p:cNvPicPr>
+          <p:nvPr>
+            <p:ph idx="1"/>
+          </p:nvPr>
+        </p:nvPicPr>
+        <p:blipFill>
+          <a:blip r:embed="rId2">
+            <a:extLst>
+              <a:ext uri="{28A0092B-C50C-407E-A947-70E740481C1C}">
+                <a14:useLocalDpi xmlns:a14="http://schemas.microsoft.com/office/drawing/2010/main" val="0"/>
+              </a:ext>
+            </a:extLst>
+          </a:blip>
+          <a:stretch>
+            <a:fillRect/>
+          </a:stretch>
+        </p:blipFill>
+        <p:spPr>
+          <a:xfrm>
+            <a:off x="411315" y="134077"/>
+            <a:ext cx="5105842" cy="3383573"/>
+          </a:xfrm>
+        </p:spPr>
+      </p:pic>
+      <p:pic>
+        <p:nvPicPr>
+          <p:cNvPr id="10" name="Рисунок 9"/>
+          <p:cNvPicPr>
+            <a:picLocks noChangeAspect="1"/>
+          </p:cNvPicPr>
+          <p:nvPr/>
+        </p:nvPicPr>
+        <p:blipFill>
+          <a:blip r:embed="rId3">
+            <a:extLst>
+              <a:ext uri="{28A0092B-C50C-407E-A947-70E740481C1C}">
+                <a14:useLocalDpi xmlns:a14="http://schemas.microsoft.com/office/drawing/2010/main" val="0"/>
+              </a:ext>
+            </a:extLst>
+          </a:blip>
+          <a:stretch>
+            <a:fillRect/>
+          </a:stretch>
+        </p:blipFill>
+        <p:spPr>
+          <a:xfrm>
+            <a:off x="2399731" y="2623045"/>
+            <a:ext cx="4839119" cy="4061812"/>
+          </a:xfrm>
+          <a:prstGeom prst="rect">
+            <a:avLst/>
+          </a:prstGeom>
+        </p:spPr>
+      </p:pic>
     </p:spTree>
     <p:extLst>
       <p:ext uri="{BB962C8B-B14F-4D97-AF65-F5344CB8AC3E}">
-        <p14:creationId xmlns:p14="http://schemas.microsoft.com/office/powerpoint/2010/main" val="1590192025"/>
+        <p14:creationId xmlns:p14="http://schemas.microsoft.com/office/powerpoint/2010/main" val="405041812"/>
       </p:ext>
     </p:extLst>
   </p:cSld>
@@ -7530,6 +7830,242 @@
       </p:grpSpPr>
       <p:sp>
         <p:nvSpPr>
+          <p:cNvPr id="6" name="Заголовок 5"/>
+          <p:cNvSpPr>
+            <a:spLocks noGrp="1"/>
+          </p:cNvSpPr>
+          <p:nvPr>
+            <p:ph type="title"/>
+          </p:nvPr>
+        </p:nvSpPr>
+        <p:spPr>
+          <a:xfrm>
+            <a:off x="3062377" y="245753"/>
+            <a:ext cx="8333117" cy="1117221"/>
+          </a:xfrm>
+        </p:spPr>
+        <p:txBody>
+          <a:bodyPr>
+            <a:normAutofit/>
+          </a:bodyPr>
+          <a:lstStyle/>
+          <a:p>
+            <a:r>
+              <a:rPr lang="ru-RU" sz="4800" dirty="0" smtClean="0"/>
+              <a:t>А теперь о коде…</a:t>
+            </a:r>
+            <a:endParaRPr lang="ru-RU" sz="4800" dirty="0"/>
+          </a:p>
+        </p:txBody>
+      </p:sp>
+      <p:sp>
+        <p:nvSpPr>
+          <p:cNvPr id="7" name="Текст 6"/>
+          <p:cNvSpPr>
+            <a:spLocks noGrp="1"/>
+          </p:cNvSpPr>
+          <p:nvPr>
+            <p:ph type="body" idx="1"/>
+          </p:nvPr>
+        </p:nvSpPr>
+        <p:spPr>
+          <a:xfrm>
+            <a:off x="3062377" y="1328469"/>
+            <a:ext cx="8643668" cy="5287992"/>
+          </a:xfrm>
+        </p:spPr>
+        <p:txBody>
+          <a:bodyPr>
+            <a:normAutofit lnSpcReduction="10000"/>
+          </a:bodyPr>
+          <a:lstStyle/>
+          <a:p>
+            <a:r>
+              <a:rPr lang="ru-RU" dirty="0" smtClean="0"/>
+              <a:t>Проводником в удивительный мир интернета послужило </a:t>
+            </a:r>
+            <a:r>
+              <a:rPr lang="en-US" dirty="0" err="1" smtClean="0"/>
+              <a:t>heroku</a:t>
+            </a:r>
+            <a:r>
+              <a:rPr lang="en-US" dirty="0" smtClean="0"/>
+              <a:t>, </a:t>
+            </a:r>
+            <a:r>
+              <a:rPr lang="ru-RU" dirty="0" smtClean="0"/>
+              <a:t>с которым после некоторых сложностей мы нашли общий язык.</a:t>
+            </a:r>
+          </a:p>
+          <a:p>
+            <a:r>
+              <a:rPr lang="ru-RU" dirty="0" smtClean="0"/>
+              <a:t>В программе использовалось </a:t>
+            </a:r>
+            <a:r>
+              <a:rPr lang="en-US" dirty="0" err="1" smtClean="0"/>
+              <a:t>api</a:t>
+            </a:r>
+            <a:r>
+              <a:rPr lang="ru-RU" dirty="0" smtClean="0"/>
+              <a:t> </a:t>
+            </a:r>
+            <a:r>
+              <a:rPr lang="en-US" dirty="0" smtClean="0">
+                <a:hlinkClick r:id="rId2"/>
+              </a:rPr>
+              <a:t>https://deckofcardsapi.com</a:t>
+            </a:r>
+            <a:r>
+              <a:rPr lang="ru-RU" dirty="0" smtClean="0"/>
+              <a:t>, его так же можно будет использовать, если захочется добавить картинки карт (не на </a:t>
+            </a:r>
+            <a:r>
+              <a:rPr lang="ru-RU" dirty="0" err="1" smtClean="0"/>
+              <a:t>алисе</a:t>
+            </a:r>
+            <a:r>
+              <a:rPr lang="ru-RU" dirty="0" smtClean="0"/>
+              <a:t>) или создать более сложную карточную игру. </a:t>
+            </a:r>
+          </a:p>
+          <a:p>
+            <a:r>
+              <a:rPr lang="ru-RU" sz="1400" b="0" dirty="0" smtClean="0"/>
+              <a:t>Гитхаб: </a:t>
+            </a:r>
+            <a:endParaRPr lang="ru-RU" sz="1400" b="0" dirty="0"/>
+          </a:p>
+          <a:p>
+            <a:r>
+              <a:rPr lang="en-US" sz="1400" dirty="0">
+                <a:hlinkClick r:id="rId3"/>
+              </a:rPr>
+              <a:t>https://github.com/radiate-positivity/alice</a:t>
+            </a:r>
+            <a:endParaRPr lang="en-US" sz="1400" dirty="0"/>
+          </a:p>
+          <a:p>
+            <a:r>
+              <a:rPr lang="ru-RU" sz="1400" dirty="0" smtClean="0"/>
+              <a:t/>
+            </a:r>
+            <a:br>
+              <a:rPr lang="ru-RU" sz="1400" dirty="0" smtClean="0"/>
+            </a:br>
+            <a:r>
+              <a:rPr lang="ru-RU" sz="1400" b="0" dirty="0" smtClean="0"/>
+              <a:t>Ссылка на</a:t>
+            </a:r>
+            <a:r>
+              <a:rPr lang="en-US" sz="1400" b="0" dirty="0" smtClean="0"/>
+              <a:t> </a:t>
+            </a:r>
+            <a:r>
+              <a:rPr lang="en-US" sz="1400" b="0" dirty="0" err="1" smtClean="0"/>
+              <a:t>api</a:t>
+            </a:r>
+            <a:r>
+              <a:rPr lang="ru-RU" sz="1400" b="0" dirty="0" smtClean="0"/>
+              <a:t> в </a:t>
+            </a:r>
+            <a:r>
+              <a:rPr lang="ru-RU" sz="1400" b="0" dirty="0" err="1" smtClean="0"/>
+              <a:t>хероку</a:t>
+            </a:r>
+            <a:r>
+              <a:rPr lang="ru-RU" sz="1400" b="0" dirty="0" smtClean="0"/>
+              <a:t>:</a:t>
+            </a:r>
+            <a:r>
+              <a:rPr lang="ru-RU" sz="1400" dirty="0" smtClean="0"/>
+              <a:t/>
+            </a:r>
+            <a:br>
+              <a:rPr lang="ru-RU" sz="1400" dirty="0" smtClean="0"/>
+            </a:br>
+            <a:r>
+              <a:rPr lang="ru-RU" sz="1400" b="0" dirty="0" smtClean="0"/>
+              <a:t>https://newappalice211.herokuapp.com</a:t>
+            </a:r>
+            <a:endParaRPr lang="en-US" sz="1400" b="0" dirty="0" smtClean="0"/>
+          </a:p>
+          <a:p>
+            <a:endParaRPr lang="en-US" sz="1400" b="0" dirty="0"/>
+          </a:p>
+          <a:p>
+            <a:r>
+              <a:rPr lang="ru-RU" sz="1400" b="0" dirty="0" smtClean="0"/>
+              <a:t>Ссылка как работать с </a:t>
+            </a:r>
+            <a:r>
+              <a:rPr lang="ru-RU" sz="1400" b="0" dirty="0" err="1" smtClean="0"/>
+              <a:t>хероку</a:t>
+            </a:r>
+            <a:endParaRPr lang="ru-RU" sz="1400" b="0" dirty="0" smtClean="0"/>
+          </a:p>
+          <a:p>
+            <a:r>
+              <a:rPr lang="ru-RU" sz="1400" b="0" dirty="0" smtClean="0"/>
+              <a:t>(любезно предоставленная нашими учителями):</a:t>
+            </a:r>
+          </a:p>
+          <a:p>
+            <a:r>
+              <a:rPr lang="en-US" sz="1400" dirty="0">
+                <a:hlinkClick r:id="rId4"/>
+              </a:rPr>
+              <a:t>https://github.com/Lem-a-k/test-alice-with-heroku</a:t>
+            </a:r>
+            <a:endParaRPr lang="ru-RU" sz="1400" dirty="0" smtClean="0"/>
+          </a:p>
+          <a:p>
+            <a:endParaRPr lang="ru-RU" sz="1400" dirty="0" smtClean="0"/>
+          </a:p>
+          <a:p>
+            <a:endParaRPr lang="ru-RU" sz="1400" dirty="0"/>
+          </a:p>
+        </p:txBody>
+      </p:sp>
+    </p:spTree>
+    <p:extLst>
+      <p:ext uri="{BB962C8B-B14F-4D97-AF65-F5344CB8AC3E}">
+        <p14:creationId xmlns:p14="http://schemas.microsoft.com/office/powerpoint/2010/main" val="1590192025"/>
+      </p:ext>
+    </p:extLst>
+  </p:cSld>
+  <p:clrMapOvr>
+    <a:masterClrMapping/>
+  </p:clrMapOvr>
+  <p:timing>
+    <p:tnLst>
+      <p:par>
+        <p:cTn id="1" dur="indefinite" restart="never" nodeType="tmRoot"/>
+      </p:par>
+    </p:tnLst>
+  </p:timing>
+</p:sld>
+</file>
+
+<file path=ppt/slides/slide7.xml><?xml version="1.0" encoding="utf-8"?>
+<p:sld xmlns:a="http://schemas.openxmlformats.org/drawingml/2006/main" xmlns:r="http://schemas.openxmlformats.org/officeDocument/2006/relationships" xmlns:p="http://schemas.openxmlformats.org/presentationml/2006/main">
+  <p:cSld>
+    <p:spTree>
+      <p:nvGrpSpPr>
+        <p:cNvPr id="1" name=""/>
+        <p:cNvGrpSpPr/>
+        <p:nvPr/>
+      </p:nvGrpSpPr>
+      <p:grpSpPr>
+        <a:xfrm>
+          <a:off x="0" y="0"/>
+          <a:ext cx="0" cy="0"/>
+          <a:chOff x="0" y="0"/>
+          <a:chExt cx="0" cy="0"/>
+        </a:xfrm>
+      </p:grpSpPr>
+      <p:sp>
+        <p:nvSpPr>
           <p:cNvPr id="4" name="Заголовок 3"/>
           <p:cNvSpPr>
             <a:spLocks noGrp="1"/>
@@ -7548,25 +8084,6 @@
               <a:t>Конец</a:t>
             </a:r>
             <a:endParaRPr lang="ru-RU" dirty="0"/>
-          </a:p>
-        </p:txBody>
-      </p:sp>
-      <p:sp>
-        <p:nvSpPr>
-          <p:cNvPr id="5" name="Подзаголовок 4"/>
-          <p:cNvSpPr>
-            <a:spLocks noGrp="1"/>
-          </p:cNvSpPr>
-          <p:nvPr>
-            <p:ph type="subTitle" idx="1"/>
-          </p:nvPr>
-        </p:nvSpPr>
-        <p:spPr/>
-        <p:txBody>
-          <a:bodyPr/>
-          <a:lstStyle/>
-          <a:p>
-            <a:endParaRPr lang="ru-RU"/>
           </a:p>
         </p:txBody>
       </p:sp>
